--- a/IndianaBones.pptx
+++ b/IndianaBones.pptx
@@ -6045,8 +6045,23 @@
                 </a:solidFill>
                 <a:latin typeface="Dungeon" panose="00000400000000000000" pitchFamily="2" charset="0"/>
               </a:rPr>
-              <a:t>Gameplay obstakels</a:t>
-            </a:r>
+              <a:t>Gameplay </a:t>
+            </a:r>
+            <a:r>
+              <a:rPr lang="nl-NL" sz="3200" dirty="0" err="1">
+                <a:solidFill>
+                  <a:schemeClr val="tx1"/>
+                </a:solidFill>
+                <a:latin typeface="Dungeon" panose="00000400000000000000" pitchFamily="2" charset="0"/>
+              </a:rPr>
+              <a:t>obstacles</a:t>
+            </a:r>
+            <a:endParaRPr lang="nl-NL" sz="3200" dirty="0">
+              <a:solidFill>
+                <a:schemeClr val="tx1"/>
+              </a:solidFill>
+              <a:latin typeface="Dungeon" panose="00000400000000000000" pitchFamily="2" charset="0"/>
+            </a:endParaRPr>
           </a:p>
           <a:p>
             <a:pPr marL="342900" indent="-342900">
@@ -6097,13 +6112,13 @@
   <p:clrMapOvr>
     <a:masterClrMapping/>
   </p:clrMapOvr>
-  <mc:AlternateContent xmlns:mc="http://schemas.openxmlformats.org/markup-compatibility/2006">
-    <mc:Choice xmlns:p15="http://schemas.microsoft.com/office/powerpoint/2012/main" Requires="p15">
+  <mc:AlternateContent xmlns:mc="http://schemas.openxmlformats.org/markup-compatibility/2006" xmlns:p15="http://schemas.microsoft.com/office/powerpoint/2012/main">
+    <mc:Choice Requires="p15">
       <p:transition xmlns:p14="http://schemas.microsoft.com/office/powerpoint/2010/main" spd="slow" p14:dur="6000">
         <p15:prstTrans prst="curtains"/>
       </p:transition>
     </mc:Choice>
-    <mc:Fallback>
+    <mc:Fallback xmlns="">
       <p:transition spd="slow">
         <p:fade/>
       </p:transition>
@@ -6508,13 +6523,13 @@
   <p:clrMapOvr>
     <a:masterClrMapping/>
   </p:clrMapOvr>
-  <mc:AlternateContent xmlns:mc="http://schemas.openxmlformats.org/markup-compatibility/2006">
-    <mc:Choice xmlns:p15="http://schemas.microsoft.com/office/powerpoint/2012/main" Requires="p15">
+  <mc:AlternateContent xmlns:mc="http://schemas.openxmlformats.org/markup-compatibility/2006" xmlns:p15="http://schemas.microsoft.com/office/powerpoint/2012/main">
+    <mc:Choice Requires="p15">
       <p:transition xmlns:p14="http://schemas.microsoft.com/office/powerpoint/2010/main" spd="slow" p14:dur="2000">
         <p15:prstTrans prst="wind"/>
       </p:transition>
     </mc:Choice>
-    <mc:Fallback>
+    <mc:Fallback xmlns="">
       <p:transition spd="slow">
         <p:fade/>
       </p:transition>

--- a/IndianaBones.pptx
+++ b/IndianaBones.pptx
@@ -7,7 +7,11 @@
   <p:sldIdLst>
     <p:sldId id="256" r:id="rId2"/>
     <p:sldId id="257" r:id="rId3"/>
-    <p:sldId id="258" r:id="rId4"/>
+    <p:sldId id="260" r:id="rId4"/>
+    <p:sldId id="258" r:id="rId5"/>
+    <p:sldId id="259" r:id="rId6"/>
+    <p:sldId id="262" r:id="rId7"/>
+    <p:sldId id="261" r:id="rId8"/>
   </p:sldIdLst>
   <p:sldSz cx="12192000" cy="6858000"/>
   <p:notesSz cx="6858000" cy="9144000"/>
@@ -113,7 +117,11 @@
           <p14:sldIdLst>
             <p14:sldId id="256"/>
             <p14:sldId id="257"/>
+            <p14:sldId id="260"/>
             <p14:sldId id="258"/>
+            <p14:sldId id="259"/>
+            <p14:sldId id="262"/>
+            <p14:sldId id="261"/>
           </p14:sldIdLst>
         </p14:section>
       </p14:sectionLst>
@@ -6149,6 +6157,99 @@
           <p:cNvPr id="2" name="Titel 1">
             <a:extLst>
               <a:ext uri="{FF2B5EF4-FFF2-40B4-BE49-F238E27FC236}">
+                <a16:creationId xmlns:a16="http://schemas.microsoft.com/office/drawing/2014/main" id="{CD06FA9A-87C0-4C7B-964B-C240677FA6B4}"/>
+              </a:ext>
+            </a:extLst>
+          </p:cNvPr>
+          <p:cNvSpPr>
+            <a:spLocks noGrp="1"/>
+          </p:cNvSpPr>
+          <p:nvPr>
+            <p:ph type="title"/>
+          </p:nvPr>
+        </p:nvSpPr>
+        <p:spPr/>
+        <p:txBody>
+          <a:bodyPr/>
+          <a:lstStyle/>
+          <a:p>
+            <a:r>
+              <a:rPr lang="nl-NL" dirty="0" err="1"/>
+              <a:t>Gdd</a:t>
+            </a:r>
+            <a:endParaRPr lang="nl-NL" dirty="0"/>
+          </a:p>
+        </p:txBody>
+      </p:sp>
+      <p:sp>
+        <p:nvSpPr>
+          <p:cNvPr id="3" name="Tijdelijke aanduiding voor tekst 2">
+            <a:extLst>
+              <a:ext uri="{FF2B5EF4-FFF2-40B4-BE49-F238E27FC236}">
+                <a16:creationId xmlns:a16="http://schemas.microsoft.com/office/drawing/2014/main" id="{86F95FE4-F472-4F38-BC81-09E04E36D657}"/>
+              </a:ext>
+            </a:extLst>
+          </p:cNvPr>
+          <p:cNvSpPr>
+            <a:spLocks noGrp="1"/>
+          </p:cNvSpPr>
+          <p:nvPr>
+            <p:ph type="body" idx="1"/>
+          </p:nvPr>
+        </p:nvSpPr>
+        <p:spPr/>
+        <p:txBody>
+          <a:bodyPr/>
+          <a:lstStyle/>
+          <a:p>
+            <a:r>
+              <a:rPr lang="nl-NL" dirty="0">
+                <a:hlinkClick r:id="rId2"/>
+              </a:rPr>
+              <a:t>https://docs.google.com/document/d/1hf-na7bdCFSeHHdtGF03CiWVjSxiEsswhKHYJB8Af14/edit?ts=5a79b809</a:t>
+            </a:r>
+            <a:endParaRPr lang="nl-NL" dirty="0"/>
+          </a:p>
+          <a:p>
+            <a:endParaRPr lang="nl-NL" dirty="0"/>
+          </a:p>
+        </p:txBody>
+      </p:sp>
+    </p:spTree>
+    <p:extLst>
+      <p:ext uri="{BB962C8B-B14F-4D97-AF65-F5344CB8AC3E}">
+        <p14:creationId xmlns:p14="http://schemas.microsoft.com/office/powerpoint/2010/main" val="750153651"/>
+      </p:ext>
+    </p:extLst>
+  </p:cSld>
+  <p:clrMapOvr>
+    <a:masterClrMapping/>
+  </p:clrMapOvr>
+</p:sld>
+</file>
+
+<file path=ppt/slides/slide4.xml><?xml version="1.0" encoding="utf-8"?>
+<p:sld xmlns:a="http://schemas.openxmlformats.org/drawingml/2006/main" xmlns:r="http://schemas.openxmlformats.org/officeDocument/2006/relationships" xmlns:p="http://schemas.openxmlformats.org/presentationml/2006/main">
+  <p:cSld>
+    <p:spTree>
+      <p:nvGrpSpPr>
+        <p:cNvPr id="1" name=""/>
+        <p:cNvGrpSpPr/>
+        <p:nvPr/>
+      </p:nvGrpSpPr>
+      <p:grpSpPr>
+        <a:xfrm>
+          <a:off x="0" y="0"/>
+          <a:ext cx="0" cy="0"/>
+          <a:chOff x="0" y="0"/>
+          <a:chExt cx="0" cy="0"/>
+        </a:xfrm>
+      </p:grpSpPr>
+      <p:sp>
+        <p:nvSpPr>
+          <p:cNvPr id="2" name="Titel 1">
+            <a:extLst>
+              <a:ext uri="{FF2B5EF4-FFF2-40B4-BE49-F238E27FC236}">
                 <a16:creationId xmlns:a16="http://schemas.microsoft.com/office/drawing/2014/main" id="{E49691B1-5CCA-4465-931F-7974E74D9929}"/>
               </a:ext>
             </a:extLst>
@@ -6535,6 +6636,371 @@
       </p:transition>
     </mc:Fallback>
   </mc:AlternateContent>
+</p:sld>
+</file>
+
+<file path=ppt/slides/slide5.xml><?xml version="1.0" encoding="utf-8"?>
+<p:sld xmlns:a="http://schemas.openxmlformats.org/drawingml/2006/main" xmlns:r="http://schemas.openxmlformats.org/officeDocument/2006/relationships" xmlns:p="http://schemas.openxmlformats.org/presentationml/2006/main">
+  <p:cSld>
+    <p:spTree>
+      <p:nvGrpSpPr>
+        <p:cNvPr id="1" name=""/>
+        <p:cNvGrpSpPr/>
+        <p:nvPr/>
+      </p:nvGrpSpPr>
+      <p:grpSpPr>
+        <a:xfrm>
+          <a:off x="0" y="0"/>
+          <a:ext cx="0" cy="0"/>
+          <a:chOff x="0" y="0"/>
+          <a:chExt cx="0" cy="0"/>
+        </a:xfrm>
+      </p:grpSpPr>
+      <p:sp>
+        <p:nvSpPr>
+          <p:cNvPr id="2" name="Titel 1">
+            <a:extLst>
+              <a:ext uri="{FF2B5EF4-FFF2-40B4-BE49-F238E27FC236}">
+                <a16:creationId xmlns:a16="http://schemas.microsoft.com/office/drawing/2014/main" id="{5AD39B01-A61B-4BE5-98CF-D38D9A8955F4}"/>
+              </a:ext>
+            </a:extLst>
+          </p:cNvPr>
+          <p:cNvSpPr>
+            <a:spLocks noGrp="1"/>
+          </p:cNvSpPr>
+          <p:nvPr>
+            <p:ph type="title"/>
+          </p:nvPr>
+        </p:nvSpPr>
+        <p:spPr/>
+        <p:txBody>
+          <a:bodyPr/>
+          <a:lstStyle/>
+          <a:p>
+            <a:r>
+              <a:rPr lang="nl-NL" dirty="0"/>
+              <a:t>al ready </a:t>
+            </a:r>
+            <a:r>
+              <a:rPr lang="nl-NL" dirty="0" err="1"/>
+              <a:t>done</a:t>
+            </a:r>
+            <a:endParaRPr lang="nl-NL" dirty="0"/>
+          </a:p>
+        </p:txBody>
+      </p:sp>
+      <p:sp>
+        <p:nvSpPr>
+          <p:cNvPr id="3" name="Tijdelijke aanduiding voor inhoud 2">
+            <a:extLst>
+              <a:ext uri="{FF2B5EF4-FFF2-40B4-BE49-F238E27FC236}">
+                <a16:creationId xmlns:a16="http://schemas.microsoft.com/office/drawing/2014/main" id="{6F07C52D-6FF4-411D-9F25-DFEEFC4316F0}"/>
+              </a:ext>
+            </a:extLst>
+          </p:cNvPr>
+          <p:cNvSpPr>
+            <a:spLocks noGrp="1"/>
+          </p:cNvSpPr>
+          <p:nvPr>
+            <p:ph idx="1"/>
+          </p:nvPr>
+        </p:nvSpPr>
+        <p:spPr/>
+        <p:txBody>
+          <a:bodyPr/>
+          <a:lstStyle/>
+          <a:p>
+            <a:r>
+              <a:rPr lang="nl-NL" dirty="0" err="1"/>
+              <a:t>wall</a:t>
+            </a:r>
+            <a:endParaRPr lang="nl-NL" dirty="0"/>
+          </a:p>
+          <a:p>
+            <a:r>
+              <a:rPr lang="nl-NL" dirty="0" err="1"/>
+              <a:t>Ground</a:t>
+            </a:r>
+            <a:endParaRPr lang="nl-NL" dirty="0"/>
+          </a:p>
+          <a:p>
+            <a:r>
+              <a:rPr lang="nl-NL" dirty="0"/>
+              <a:t>For </a:t>
+            </a:r>
+            <a:r>
+              <a:rPr lang="nl-NL" dirty="0" err="1"/>
+              <a:t>ground</a:t>
+            </a:r>
+            <a:r>
+              <a:rPr lang="nl-NL" dirty="0"/>
+              <a:t> </a:t>
+            </a:r>
+          </a:p>
+          <a:p>
+            <a:r>
+              <a:rPr lang="nl-NL" dirty="0" err="1"/>
+              <a:t>pillar</a:t>
+            </a:r>
+            <a:endParaRPr lang="nl-NL" dirty="0"/>
+          </a:p>
+        </p:txBody>
+      </p:sp>
+      <p:pic>
+        <p:nvPicPr>
+          <p:cNvPr id="7" name="Afbeelding 6">
+            <a:extLst>
+              <a:ext uri="{FF2B5EF4-FFF2-40B4-BE49-F238E27FC236}">
+                <a16:creationId xmlns:a16="http://schemas.microsoft.com/office/drawing/2014/main" id="{F5B209A8-3B07-4E92-945D-BB977795F6E3}"/>
+              </a:ext>
+            </a:extLst>
+          </p:cNvPr>
+          <p:cNvPicPr>
+            <a:picLocks noChangeAspect="1"/>
+          </p:cNvPicPr>
+          <p:nvPr/>
+        </p:nvPicPr>
+        <p:blipFill>
+          <a:blip r:embed="rId2">
+            <a:extLst>
+              <a:ext uri="{28A0092B-C50C-407E-A947-70E740481C1C}">
+                <a14:useLocalDpi xmlns:a14="http://schemas.microsoft.com/office/drawing/2010/main" val="0"/>
+              </a:ext>
+            </a:extLst>
+          </a:blip>
+          <a:stretch>
+            <a:fillRect/>
+          </a:stretch>
+        </p:blipFill>
+        <p:spPr>
+          <a:xfrm>
+            <a:off x="4320242" y="433916"/>
+            <a:ext cx="7766983" cy="3453345"/>
+          </a:xfrm>
+          <a:prstGeom prst="rect">
+            <a:avLst/>
+          </a:prstGeom>
+        </p:spPr>
+      </p:pic>
+    </p:spTree>
+    <p:extLst>
+      <p:ext uri="{BB962C8B-B14F-4D97-AF65-F5344CB8AC3E}">
+        <p14:creationId xmlns:p14="http://schemas.microsoft.com/office/powerpoint/2010/main" val="3950006924"/>
+      </p:ext>
+    </p:extLst>
+  </p:cSld>
+  <p:clrMapOvr>
+    <a:masterClrMapping/>
+  </p:clrMapOvr>
+</p:sld>
+</file>
+
+<file path=ppt/slides/slide6.xml><?xml version="1.0" encoding="utf-8"?>
+<p:sld xmlns:a="http://schemas.openxmlformats.org/drawingml/2006/main" xmlns:r="http://schemas.openxmlformats.org/officeDocument/2006/relationships" xmlns:p="http://schemas.openxmlformats.org/presentationml/2006/main">
+  <p:cSld>
+    <p:spTree>
+      <p:nvGrpSpPr>
+        <p:cNvPr id="1" name=""/>
+        <p:cNvGrpSpPr/>
+        <p:nvPr/>
+      </p:nvGrpSpPr>
+      <p:grpSpPr>
+        <a:xfrm>
+          <a:off x="0" y="0"/>
+          <a:ext cx="0" cy="0"/>
+          <a:chOff x="0" y="0"/>
+          <a:chExt cx="0" cy="0"/>
+        </a:xfrm>
+      </p:grpSpPr>
+      <p:sp>
+        <p:nvSpPr>
+          <p:cNvPr id="2" name="Titel 1">
+            <a:extLst>
+              <a:ext uri="{FF2B5EF4-FFF2-40B4-BE49-F238E27FC236}">
+                <a16:creationId xmlns:a16="http://schemas.microsoft.com/office/drawing/2014/main" id="{82A16BDB-65A8-4CCD-89CC-F29FD8753571}"/>
+              </a:ext>
+            </a:extLst>
+          </p:cNvPr>
+          <p:cNvSpPr>
+            <a:spLocks noGrp="1"/>
+          </p:cNvSpPr>
+          <p:nvPr>
+            <p:ph type="title"/>
+          </p:nvPr>
+        </p:nvSpPr>
+        <p:spPr/>
+        <p:txBody>
+          <a:bodyPr/>
+          <a:lstStyle/>
+          <a:p>
+            <a:r>
+              <a:rPr lang="nl-NL" dirty="0"/>
+              <a:t>Al ready </a:t>
+            </a:r>
+            <a:r>
+              <a:rPr lang="nl-NL" dirty="0" err="1"/>
+              <a:t>done</a:t>
+            </a:r>
+            <a:r>
+              <a:rPr lang="nl-NL" dirty="0"/>
+              <a:t> </a:t>
+            </a:r>
+            <a:r>
+              <a:rPr lang="nl-NL" dirty="0" err="1"/>
+              <a:t>programing</a:t>
+            </a:r>
+            <a:endParaRPr lang="nl-NL" dirty="0"/>
+          </a:p>
+        </p:txBody>
+      </p:sp>
+      <p:sp>
+        <p:nvSpPr>
+          <p:cNvPr id="3" name="Tijdelijke aanduiding voor inhoud 2">
+            <a:extLst>
+              <a:ext uri="{FF2B5EF4-FFF2-40B4-BE49-F238E27FC236}">
+                <a16:creationId xmlns:a16="http://schemas.microsoft.com/office/drawing/2014/main" id="{3C4C7EF5-1CA5-40E5-8FA1-FECEA4E8352B}"/>
+              </a:ext>
+            </a:extLst>
+          </p:cNvPr>
+          <p:cNvSpPr>
+            <a:spLocks noGrp="1"/>
+          </p:cNvSpPr>
+          <p:nvPr>
+            <p:ph idx="1"/>
+          </p:nvPr>
+        </p:nvSpPr>
+        <p:spPr/>
+        <p:txBody>
+          <a:bodyPr/>
+          <a:lstStyle/>
+          <a:p>
+            <a:r>
+              <a:rPr lang="nl-NL" dirty="0"/>
+              <a:t>…</a:t>
+            </a:r>
+          </a:p>
+          <a:p>
+            <a:endParaRPr lang="nl-NL" dirty="0"/>
+          </a:p>
+        </p:txBody>
+      </p:sp>
+    </p:spTree>
+    <p:extLst>
+      <p:ext uri="{BB962C8B-B14F-4D97-AF65-F5344CB8AC3E}">
+        <p14:creationId xmlns:p14="http://schemas.microsoft.com/office/powerpoint/2010/main" val="2686538806"/>
+      </p:ext>
+    </p:extLst>
+  </p:cSld>
+  <p:clrMapOvr>
+    <a:masterClrMapping/>
+  </p:clrMapOvr>
+</p:sld>
+</file>
+
+<file path=ppt/slides/slide7.xml><?xml version="1.0" encoding="utf-8"?>
+<p:sld xmlns:a="http://schemas.openxmlformats.org/drawingml/2006/main" xmlns:r="http://schemas.openxmlformats.org/officeDocument/2006/relationships" xmlns:p="http://schemas.openxmlformats.org/presentationml/2006/main">
+  <p:cSld>
+    <p:spTree>
+      <p:nvGrpSpPr>
+        <p:cNvPr id="1" name=""/>
+        <p:cNvGrpSpPr/>
+        <p:nvPr/>
+      </p:nvGrpSpPr>
+      <p:grpSpPr>
+        <a:xfrm>
+          <a:off x="0" y="0"/>
+          <a:ext cx="0" cy="0"/>
+          <a:chOff x="0" y="0"/>
+          <a:chExt cx="0" cy="0"/>
+        </a:xfrm>
+      </p:grpSpPr>
+      <p:sp>
+        <p:nvSpPr>
+          <p:cNvPr id="2" name="Titel 1">
+            <a:extLst>
+              <a:ext uri="{FF2B5EF4-FFF2-40B4-BE49-F238E27FC236}">
+                <a16:creationId xmlns:a16="http://schemas.microsoft.com/office/drawing/2014/main" id="{572B4933-2068-44A4-A31E-E897C0958868}"/>
+              </a:ext>
+            </a:extLst>
+          </p:cNvPr>
+          <p:cNvSpPr>
+            <a:spLocks noGrp="1"/>
+          </p:cNvSpPr>
+          <p:nvPr>
+            <p:ph type="title"/>
+          </p:nvPr>
+        </p:nvSpPr>
+        <p:spPr/>
+        <p:txBody>
+          <a:bodyPr/>
+          <a:lstStyle/>
+          <a:p>
+            <a:r>
+              <a:rPr lang="nl-NL" dirty="0"/>
+              <a:t>The end</a:t>
+            </a:r>
+          </a:p>
+        </p:txBody>
+      </p:sp>
+      <p:pic>
+        <p:nvPicPr>
+          <p:cNvPr id="1026" name="Picture 2" descr="Afbeeldingsresultaat voor happy face png">
+            <a:extLst>
+              <a:ext uri="{FF2B5EF4-FFF2-40B4-BE49-F238E27FC236}">
+                <a16:creationId xmlns:a16="http://schemas.microsoft.com/office/drawing/2014/main" id="{49ACDA10-F439-4120-806D-660313A8068A}"/>
+              </a:ext>
+            </a:extLst>
+          </p:cNvPr>
+          <p:cNvPicPr>
+            <a:picLocks noGrp="1" noChangeAspect="1" noChangeArrowheads="1"/>
+          </p:cNvPicPr>
+          <p:nvPr>
+            <p:ph idx="1"/>
+          </p:nvPr>
+        </p:nvPicPr>
+        <p:blipFill>
+          <a:blip r:embed="rId2">
+            <a:extLst>
+              <a:ext uri="{28A0092B-C50C-407E-A947-70E740481C1C}">
+                <a14:useLocalDpi xmlns:a14="http://schemas.microsoft.com/office/drawing/2010/main" val="0"/>
+              </a:ext>
+            </a:extLst>
+          </a:blip>
+          <a:srcRect/>
+          <a:stretch>
+            <a:fillRect/>
+          </a:stretch>
+        </p:blipFill>
+        <p:spPr bwMode="auto">
+          <a:xfrm>
+            <a:off x="5591175" y="1930400"/>
+            <a:ext cx="3181350" cy="3181350"/>
+          </a:xfrm>
+          <a:prstGeom prst="rect">
+            <a:avLst/>
+          </a:prstGeom>
+          <a:noFill/>
+          <a:extLst>
+            <a:ext uri="{909E8E84-426E-40DD-AFC4-6F175D3DCCD1}">
+              <a14:hiddenFill xmlns:a14="http://schemas.microsoft.com/office/drawing/2010/main">
+                <a:solidFill>
+                  <a:srgbClr val="FFFFFF"/>
+                </a:solidFill>
+              </a14:hiddenFill>
+            </a:ext>
+          </a:extLst>
+        </p:spPr>
+      </p:pic>
+    </p:spTree>
+    <p:extLst>
+      <p:ext uri="{BB962C8B-B14F-4D97-AF65-F5344CB8AC3E}">
+        <p14:creationId xmlns:p14="http://schemas.microsoft.com/office/powerpoint/2010/main" val="28450988"/>
+      </p:ext>
+    </p:extLst>
+  </p:cSld>
+  <p:clrMapOvr>
+    <a:masterClrMapping/>
+  </p:clrMapOvr>
 </p:sld>
 </file>
 

--- a/IndianaBones.pptx
+++ b/IndianaBones.pptx
@@ -5873,10 +5873,16 @@
           <a:p>
             <a:pPr algn="ctr"/>
             <a:r>
+              <a:rPr lang="nl-NL" sz="8000" dirty="0">
+                <a:latin typeface="Dungeon" panose="00000400000000000000" pitchFamily="2" charset="0"/>
+              </a:rPr>
+              <a:t>Indiana </a:t>
+            </a:r>
+            <a:r>
               <a:rPr lang="nl-NL" sz="8000" dirty="0" err="1">
                 <a:latin typeface="Dungeon" panose="00000400000000000000" pitchFamily="2" charset="0"/>
               </a:rPr>
-              <a:t>IndianaBones</a:t>
+              <a:t>Bones</a:t>
             </a:r>
             <a:endParaRPr lang="en-GB" sz="8000" dirty="0">
               <a:latin typeface="Dungeon" panose="00000400000000000000" pitchFamily="2" charset="0"/>
@@ -5905,7 +5911,10 @@
           <a:bodyPr/>
           <a:lstStyle/>
           <a:p>
-            <a:endParaRPr lang="en-GB" dirty="0"/>
+            <a:r>
+              <a:rPr lang="en-GB" dirty="0"/>
+              <a:t>Working Title</a:t>
+            </a:r>
           </a:p>
         </p:txBody>
       </p:sp>
@@ -5969,10 +5978,16 @@
           <a:p>
             <a:pPr algn="ctr"/>
             <a:r>
-              <a:rPr lang="nl-NL" sz="6000" dirty="0" err="1">
+              <a:rPr lang="en-US" sz="6000" dirty="0">
                 <a:latin typeface="Dungeon" panose="00000400000000000000" pitchFamily="2" charset="0"/>
               </a:rPr>
-              <a:t>GamePlay</a:t>
+              <a:t>Planned</a:t>
+            </a:r>
+            <a:r>
+              <a:rPr lang="nl-NL" sz="6000" dirty="0">
+                <a:latin typeface="Dungeon" panose="00000400000000000000" pitchFamily="2" charset="0"/>
+              </a:rPr>
+              <a:t> content</a:t>
             </a:r>
             <a:endParaRPr lang="en-GB" sz="6000" dirty="0">
               <a:latin typeface="Dungeon" panose="00000400000000000000" pitchFamily="2" charset="0"/>
@@ -6100,13 +6115,6 @@
               </a:rPr>
               <a:t>Level design</a:t>
             </a:r>
-          </a:p>
-          <a:p>
-            <a:pPr marL="342900" indent="-342900">
-              <a:buFont typeface="Arial" panose="020B0604020202020204" pitchFamily="34" charset="0"/>
-              <a:buChar char="•"/>
-            </a:pPr>
-            <a:endParaRPr lang="en-GB" dirty="0"/>
           </a:p>
         </p:txBody>
       </p:sp>
@@ -6174,10 +6182,9 @@
           <a:lstStyle/>
           <a:p>
             <a:r>
-              <a:rPr lang="nl-NL" dirty="0" err="1"/>
-              <a:t>Gdd</a:t>
-            </a:r>
-            <a:endParaRPr lang="nl-NL" dirty="0"/>
+              <a:rPr lang="nl-NL" dirty="0"/>
+              <a:t>Game Design Document</a:t>
+            </a:r>
           </a:p>
         </p:txBody>
       </p:sp>
@@ -6678,14 +6685,13 @@
           <a:lstStyle/>
           <a:p>
             <a:r>
+              <a:rPr lang="nl-NL" dirty="0" err="1"/>
+              <a:t>Completed</a:t>
+            </a:r>
+            <a:r>
               <a:rPr lang="nl-NL" dirty="0"/>
-              <a:t>al ready </a:t>
-            </a:r>
-            <a:r>
-              <a:rPr lang="nl-NL" dirty="0" err="1"/>
-              <a:t>done</a:t>
-            </a:r>
-            <a:endParaRPr lang="nl-NL" dirty="0"/>
+              <a:t> Art</a:t>
+            </a:r>
           </a:p>
         </p:txBody>
       </p:sp>
@@ -6711,10 +6717,9 @@
           <a:lstStyle/>
           <a:p>
             <a:r>
-              <a:rPr lang="nl-NL" dirty="0" err="1"/>
-              <a:t>wall</a:t>
-            </a:r>
-            <a:endParaRPr lang="nl-NL" dirty="0"/>
+              <a:rPr lang="nl-NL" dirty="0"/>
+              <a:t>Wall</a:t>
+            </a:r>
           </a:p>
           <a:p>
             <a:r>
@@ -6725,12 +6730,8 @@
           </a:p>
           <a:p>
             <a:r>
-              <a:rPr lang="nl-NL" dirty="0"/>
-              <a:t>For </a:t>
-            </a:r>
-            <a:r>
               <a:rPr lang="nl-NL" dirty="0" err="1"/>
-              <a:t>ground</a:t>
+              <a:t>Foreground</a:t>
             </a:r>
             <a:r>
               <a:rPr lang="nl-NL" dirty="0"/>
@@ -6740,7 +6741,7 @@
           <a:p>
             <a:r>
               <a:rPr lang="nl-NL" dirty="0" err="1"/>
-              <a:t>pillar</a:t>
+              <a:t>Pillar</a:t>
             </a:r>
             <a:endParaRPr lang="nl-NL" dirty="0"/>
           </a:p>
@@ -6775,7 +6776,7 @@
         <p:spPr>
           <a:xfrm>
             <a:off x="4320242" y="433916"/>
-            <a:ext cx="7766983" cy="3453345"/>
+            <a:ext cx="7766983" cy="3676690"/>
           </a:xfrm>
           <a:prstGeom prst="rect">
             <a:avLst/>
@@ -6834,22 +6835,13 @@
           <a:lstStyle/>
           <a:p>
             <a:r>
+              <a:rPr lang="en-US" dirty="0"/>
+              <a:t>Completed</a:t>
+            </a:r>
+            <a:r>
               <a:rPr lang="nl-NL" dirty="0"/>
-              <a:t>Al ready </a:t>
-            </a:r>
-            <a:r>
-              <a:rPr lang="nl-NL" dirty="0" err="1"/>
-              <a:t>done</a:t>
-            </a:r>
-            <a:r>
-              <a:rPr lang="nl-NL" dirty="0"/>
-              <a:t> </a:t>
-            </a:r>
-            <a:r>
-              <a:rPr lang="nl-NL" dirty="0" err="1"/>
-              <a:t>programing</a:t>
-            </a:r>
-            <a:endParaRPr lang="nl-NL" dirty="0"/>
+              <a:t> Programming</a:t>
+            </a:r>
           </a:p>
         </p:txBody>
       </p:sp>
@@ -6874,13 +6866,13 @@
           <a:bodyPr/>
           <a:lstStyle/>
           <a:p>
+            <a:endParaRPr lang="nl-NL" dirty="0"/>
+          </a:p>
+          <a:p>
             <a:r>
               <a:rPr lang="nl-NL" dirty="0"/>
-              <a:t>…</a:t>
-            </a:r>
-          </a:p>
-          <a:p>
-            <a:endParaRPr lang="nl-NL" dirty="0"/>
+              <a:t>?</a:t>
+            </a:r>
           </a:p>
         </p:txBody>
       </p:sp>
@@ -6942,55 +6934,34 @@
           </a:p>
         </p:txBody>
       </p:sp>
-      <p:pic>
-        <p:nvPicPr>
-          <p:cNvPr id="1026" name="Picture 2" descr="Afbeeldingsresultaat voor happy face png">
+      <p:sp>
+        <p:nvSpPr>
+          <p:cNvPr id="4" name="Tijdelijke aanduiding voor inhoud 3">
             <a:extLst>
               <a:ext uri="{FF2B5EF4-FFF2-40B4-BE49-F238E27FC236}">
-                <a16:creationId xmlns:a16="http://schemas.microsoft.com/office/drawing/2014/main" id="{49ACDA10-F439-4120-806D-660313A8068A}"/>
+                <a16:creationId xmlns:a16="http://schemas.microsoft.com/office/drawing/2014/main" id="{E225624F-EF28-48A7-BE57-268D86FA744A}"/>
               </a:ext>
             </a:extLst>
           </p:cNvPr>
-          <p:cNvPicPr>
-            <a:picLocks noGrp="1" noChangeAspect="1" noChangeArrowheads="1"/>
-          </p:cNvPicPr>
+          <p:cNvSpPr>
+            <a:spLocks noGrp="1"/>
+          </p:cNvSpPr>
           <p:nvPr>
             <p:ph idx="1"/>
           </p:nvPr>
-        </p:nvPicPr>
-        <p:blipFill>
-          <a:blip r:embed="rId2">
-            <a:extLst>
-              <a:ext uri="{28A0092B-C50C-407E-A947-70E740481C1C}">
-                <a14:useLocalDpi xmlns:a14="http://schemas.microsoft.com/office/drawing/2010/main" val="0"/>
-              </a:ext>
-            </a:extLst>
-          </a:blip>
-          <a:srcRect/>
-          <a:stretch>
-            <a:fillRect/>
-          </a:stretch>
-        </p:blipFill>
-        <p:spPr bwMode="auto">
-          <a:xfrm>
-            <a:off x="5591175" y="1930400"/>
-            <a:ext cx="3181350" cy="3181350"/>
-          </a:xfrm>
-          <a:prstGeom prst="rect">
-            <a:avLst/>
-          </a:prstGeom>
-          <a:noFill/>
-          <a:extLst>
-            <a:ext uri="{909E8E84-426E-40DD-AFC4-6F175D3DCCD1}">
-              <a14:hiddenFill xmlns:a14="http://schemas.microsoft.com/office/drawing/2010/main">
-                <a:solidFill>
-                  <a:srgbClr val="FFFFFF"/>
-                </a:solidFill>
-              </a14:hiddenFill>
-            </a:ext>
-          </a:extLst>
-        </p:spPr>
-      </p:pic>
+        </p:nvSpPr>
+        <p:spPr/>
+        <p:txBody>
+          <a:bodyPr/>
+          <a:lstStyle/>
+          <a:p>
+            <a:r>
+              <a:rPr lang="nl-NL" dirty="0"/>
+              <a:t>Demo gameplay</a:t>
+            </a:r>
+          </a:p>
+        </p:txBody>
+      </p:sp>
     </p:spTree>
     <p:extLst>
       <p:ext uri="{BB962C8B-B14F-4D97-AF65-F5344CB8AC3E}">

--- a/IndianaBones.pptx
+++ b/IndianaBones.pptx
@@ -11,7 +11,8 @@
     <p:sldId id="258" r:id="rId5"/>
     <p:sldId id="259" r:id="rId6"/>
     <p:sldId id="262" r:id="rId7"/>
-    <p:sldId id="261" r:id="rId8"/>
+    <p:sldId id="263" r:id="rId8"/>
+    <p:sldId id="261" r:id="rId9"/>
   </p:sldIdLst>
   <p:sldSz cx="12192000" cy="6858000"/>
   <p:notesSz cx="6858000" cy="9144000"/>
@@ -121,6 +122,7 @@
             <p14:sldId id="258"/>
             <p14:sldId id="259"/>
             <p14:sldId id="262"/>
+            <p14:sldId id="263"/>
             <p14:sldId id="261"/>
           </p14:sldIdLst>
         </p14:section>
@@ -855,7 +857,7 @@
           <a:p>
             <a:fld id="{9B5D2DD9-19DC-4F83-BB12-145357B0A045}" type="datetimeFigureOut">
               <a:rPr lang="en-GB" smtClean="0"/>
-              <a:t>15/02/2018</a:t>
+              <a:t>16/02/2018</a:t>
             </a:fld>
             <a:endParaRPr lang="en-GB"/>
           </a:p>
@@ -1106,7 +1108,7 @@
           <a:p>
             <a:fld id="{9B5D2DD9-19DC-4F83-BB12-145357B0A045}" type="datetimeFigureOut">
               <a:rPr lang="en-GB" smtClean="0"/>
-              <a:t>15/02/2018</a:t>
+              <a:t>16/02/2018</a:t>
             </a:fld>
             <a:endParaRPr lang="en-GB"/>
           </a:p>
@@ -1420,7 +1422,7 @@
           <a:p>
             <a:fld id="{9B5D2DD9-19DC-4F83-BB12-145357B0A045}" type="datetimeFigureOut">
               <a:rPr lang="en-GB" smtClean="0"/>
-              <a:t>15/02/2018</a:t>
+              <a:t>16/02/2018</a:t>
             </a:fld>
             <a:endParaRPr lang="en-GB"/>
           </a:p>
@@ -1761,7 +1763,7 @@
           <a:p>
             <a:fld id="{9B5D2DD9-19DC-4F83-BB12-145357B0A045}" type="datetimeFigureOut">
               <a:rPr lang="en-GB" smtClean="0"/>
-              <a:t>15/02/2018</a:t>
+              <a:t>16/02/2018</a:t>
             </a:fld>
             <a:endParaRPr lang="en-GB"/>
           </a:p>
@@ -2075,7 +2077,7 @@
           <a:p>
             <a:fld id="{9B5D2DD9-19DC-4F83-BB12-145357B0A045}" type="datetimeFigureOut">
               <a:rPr lang="en-GB" smtClean="0"/>
-              <a:t>15/02/2018</a:t>
+              <a:t>16/02/2018</a:t>
             </a:fld>
             <a:endParaRPr lang="en-GB"/>
           </a:p>
@@ -2468,7 +2470,7 @@
           <a:p>
             <a:fld id="{9B5D2DD9-19DC-4F83-BB12-145357B0A045}" type="datetimeFigureOut">
               <a:rPr lang="en-GB" smtClean="0"/>
-              <a:t>15/02/2018</a:t>
+              <a:t>16/02/2018</a:t>
             </a:fld>
             <a:endParaRPr lang="en-GB"/>
           </a:p>
@@ -2638,7 +2640,7 @@
           <a:p>
             <a:fld id="{9B5D2DD9-19DC-4F83-BB12-145357B0A045}" type="datetimeFigureOut">
               <a:rPr lang="en-GB" smtClean="0"/>
-              <a:t>15/02/2018</a:t>
+              <a:t>16/02/2018</a:t>
             </a:fld>
             <a:endParaRPr lang="en-GB"/>
           </a:p>
@@ -2818,7 +2820,7 @@
           <a:p>
             <a:fld id="{9B5D2DD9-19DC-4F83-BB12-145357B0A045}" type="datetimeFigureOut">
               <a:rPr lang="en-GB" smtClean="0"/>
-              <a:t>15/02/2018</a:t>
+              <a:t>16/02/2018</a:t>
             </a:fld>
             <a:endParaRPr lang="en-GB"/>
           </a:p>
@@ -2994,7 +2996,7 @@
           <a:p>
             <a:fld id="{9B5D2DD9-19DC-4F83-BB12-145357B0A045}" type="datetimeFigureOut">
               <a:rPr lang="en-GB" smtClean="0"/>
-              <a:t>15/02/2018</a:t>
+              <a:t>16/02/2018</a:t>
             </a:fld>
             <a:endParaRPr lang="en-GB"/>
           </a:p>
@@ -3241,7 +3243,7 @@
           <a:p>
             <a:fld id="{9B5D2DD9-19DC-4F83-BB12-145357B0A045}" type="datetimeFigureOut">
               <a:rPr lang="en-GB" smtClean="0"/>
-              <a:t>15/02/2018</a:t>
+              <a:t>16/02/2018</a:t>
             </a:fld>
             <a:endParaRPr lang="en-GB"/>
           </a:p>
@@ -3473,7 +3475,7 @@
           <a:p>
             <a:fld id="{9B5D2DD9-19DC-4F83-BB12-145357B0A045}" type="datetimeFigureOut">
               <a:rPr lang="en-GB" smtClean="0"/>
-              <a:t>15/02/2018</a:t>
+              <a:t>16/02/2018</a:t>
             </a:fld>
             <a:endParaRPr lang="en-GB"/>
           </a:p>
@@ -3847,7 +3849,7 @@
           <a:p>
             <a:fld id="{9B5D2DD9-19DC-4F83-BB12-145357B0A045}" type="datetimeFigureOut">
               <a:rPr lang="en-GB" smtClean="0"/>
-              <a:t>15/02/2018</a:t>
+              <a:t>16/02/2018</a:t>
             </a:fld>
             <a:endParaRPr lang="en-GB"/>
           </a:p>
@@ -3970,7 +3972,7 @@
           <a:p>
             <a:fld id="{9B5D2DD9-19DC-4F83-BB12-145357B0A045}" type="datetimeFigureOut">
               <a:rPr lang="en-GB" smtClean="0"/>
-              <a:t>15/02/2018</a:t>
+              <a:t>16/02/2018</a:t>
             </a:fld>
             <a:endParaRPr lang="en-GB"/>
           </a:p>
@@ -4065,7 +4067,7 @@
           <a:p>
             <a:fld id="{9B5D2DD9-19DC-4F83-BB12-145357B0A045}" type="datetimeFigureOut">
               <a:rPr lang="en-GB" smtClean="0"/>
-              <a:t>15/02/2018</a:t>
+              <a:t>16/02/2018</a:t>
             </a:fld>
             <a:endParaRPr lang="en-GB"/>
           </a:p>
@@ -4320,7 +4322,7 @@
           <a:p>
             <a:fld id="{9B5D2DD9-19DC-4F83-BB12-145357B0A045}" type="datetimeFigureOut">
               <a:rPr lang="en-GB" smtClean="0"/>
-              <a:t>15/02/2018</a:t>
+              <a:t>16/02/2018</a:t>
             </a:fld>
             <a:endParaRPr lang="en-GB"/>
           </a:p>
@@ -4583,7 +4585,7 @@
           <a:p>
             <a:fld id="{9B5D2DD9-19DC-4F83-BB12-145357B0A045}" type="datetimeFigureOut">
               <a:rPr lang="en-GB" smtClean="0"/>
-              <a:t>15/02/2018</a:t>
+              <a:t>16/02/2018</a:t>
             </a:fld>
             <a:endParaRPr lang="en-GB"/>
           </a:p>
@@ -5326,7 +5328,7 @@
           <a:p>
             <a:fld id="{9B5D2DD9-19DC-4F83-BB12-145357B0A045}" type="datetimeFigureOut">
               <a:rPr lang="en-GB" smtClean="0"/>
-              <a:t>15/02/2018</a:t>
+              <a:t>16/02/2018</a:t>
             </a:fld>
             <a:endParaRPr lang="en-GB"/>
           </a:p>
@@ -6176,14 +6178,19 @@
             <p:ph type="title"/>
           </p:nvPr>
         </p:nvSpPr>
-        <p:spPr/>
+        <p:spPr>
+          <a:xfrm>
+            <a:off x="206818" y="-913291"/>
+            <a:ext cx="8596668" cy="1826581"/>
+          </a:xfrm>
+        </p:spPr>
         <p:txBody>
           <a:bodyPr/>
           <a:lstStyle/>
           <a:p>
             <a:r>
               <a:rPr lang="nl-NL" dirty="0"/>
-              <a:t>Game Design Document</a:t>
+              <a:t>Game Design Document </a:t>
             </a:r>
           </a:p>
         </p:txBody>
@@ -6204,7 +6211,12 @@
             <p:ph type="body" idx="1"/>
           </p:nvPr>
         </p:nvSpPr>
-        <p:spPr/>
+        <p:spPr>
+          <a:xfrm>
+            <a:off x="206818" y="1182786"/>
+            <a:ext cx="8596668" cy="2246214"/>
+          </a:xfrm>
+        </p:spPr>
         <p:txBody>
           <a:bodyPr/>
           <a:lstStyle/>
@@ -6213,15 +6225,78 @@
               <a:rPr lang="nl-NL" dirty="0">
                 <a:hlinkClick r:id="rId2"/>
               </a:rPr>
-              <a:t>https://docs.google.com/document/d/1hf-na7bdCFSeHHdtGF03CiWVjSxiEsswhKHYJB8Af14/edit?ts=5a79b809</a:t>
+              <a:t>- https://docs.google.com/document/d/1hf-na7bdCFSeHHdtGF03CiWVjSxiEsswhKHYJB8Af14/edit?ts=5a79b809</a:t>
             </a:r>
             <a:endParaRPr lang="nl-NL" dirty="0"/>
           </a:p>
           <a:p>
             <a:endParaRPr lang="nl-NL" dirty="0"/>
           </a:p>
-        </p:txBody>
-      </p:sp>
+          <a:p>
+            <a:endParaRPr lang="nl-NL" dirty="0"/>
+          </a:p>
+        </p:txBody>
+      </p:sp>
+      <p:pic>
+        <p:nvPicPr>
+          <p:cNvPr id="4" name="Afbeelding 3">
+            <a:extLst>
+              <a:ext uri="{FF2B5EF4-FFF2-40B4-BE49-F238E27FC236}">
+                <a16:creationId xmlns:a16="http://schemas.microsoft.com/office/drawing/2014/main" id="{777CAB2B-F525-4DA7-B030-5B7B57046AB8}"/>
+              </a:ext>
+            </a:extLst>
+          </p:cNvPr>
+          <p:cNvPicPr>
+            <a:picLocks noChangeAspect="1"/>
+          </p:cNvPicPr>
+          <p:nvPr/>
+        </p:nvPicPr>
+        <p:blipFill>
+          <a:blip r:embed="rId3"/>
+          <a:stretch>
+            <a:fillRect/>
+          </a:stretch>
+        </p:blipFill>
+        <p:spPr>
+          <a:xfrm>
+            <a:off x="7257803" y="2454372"/>
+            <a:ext cx="4826377" cy="4314825"/>
+          </a:xfrm>
+          <a:prstGeom prst="rect">
+            <a:avLst/>
+          </a:prstGeom>
+        </p:spPr>
+      </p:pic>
+      <p:pic>
+        <p:nvPicPr>
+          <p:cNvPr id="5" name="Afbeelding 4">
+            <a:extLst>
+              <a:ext uri="{FF2B5EF4-FFF2-40B4-BE49-F238E27FC236}">
+                <a16:creationId xmlns:a16="http://schemas.microsoft.com/office/drawing/2014/main" id="{2C5EEC11-CFBF-4B46-B40B-9FC256EC63AB}"/>
+              </a:ext>
+            </a:extLst>
+          </p:cNvPr>
+          <p:cNvPicPr>
+            <a:picLocks noChangeAspect="1"/>
+          </p:cNvPicPr>
+          <p:nvPr/>
+        </p:nvPicPr>
+        <p:blipFill>
+          <a:blip r:embed="rId4"/>
+          <a:stretch>
+            <a:fillRect/>
+          </a:stretch>
+        </p:blipFill>
+        <p:spPr>
+          <a:xfrm>
+            <a:off x="2136268" y="2897980"/>
+            <a:ext cx="5274182" cy="3605212"/>
+          </a:xfrm>
+          <a:prstGeom prst="rect">
+            <a:avLst/>
+          </a:prstGeom>
+        </p:spPr>
+      </p:pic>
     </p:spTree>
     <p:extLst>
       <p:ext uri="{BB962C8B-B14F-4D97-AF65-F5344CB8AC3E}">
@@ -6335,6 +6410,36 @@
                 <a:latin typeface="Dungeon" panose="00000400000000000000" pitchFamily="2" charset="0"/>
               </a:rPr>
               <a:t>Lettertype</a:t>
+            </a:r>
+          </a:p>
+          <a:p>
+            <a:r>
+              <a:rPr lang="nl-NL" sz="3200" dirty="0" err="1">
+                <a:latin typeface="Dungeon" panose="00000400000000000000" pitchFamily="2" charset="0"/>
+              </a:rPr>
+              <a:t>Character</a:t>
+            </a:r>
+            <a:endParaRPr lang="nl-NL" sz="3200" dirty="0">
+              <a:latin typeface="Dungeon" panose="00000400000000000000" pitchFamily="2" charset="0"/>
+            </a:endParaRPr>
+          </a:p>
+          <a:p>
+            <a:r>
+              <a:rPr lang="nl-NL" sz="3200" dirty="0" err="1">
+                <a:latin typeface="Dungeon" panose="00000400000000000000" pitchFamily="2" charset="0"/>
+              </a:rPr>
+              <a:t>Envirment</a:t>
+            </a:r>
+            <a:endParaRPr lang="nl-NL" sz="3200" dirty="0">
+              <a:latin typeface="Dungeon" panose="00000400000000000000" pitchFamily="2" charset="0"/>
+            </a:endParaRPr>
+          </a:p>
+          <a:p>
+            <a:r>
+              <a:rPr lang="nl-NL" sz="3200" dirty="0">
+                <a:latin typeface="Dungeon" panose="00000400000000000000" pitchFamily="2" charset="0"/>
+              </a:rPr>
+              <a:t>GUI</a:t>
             </a:r>
           </a:p>
         </p:txBody>
@@ -6835,12 +6940,8 @@
           <a:lstStyle/>
           <a:p>
             <a:r>
-              <a:rPr lang="en-US" dirty="0"/>
-              <a:t>Completed</a:t>
-            </a:r>
-            <a:r>
               <a:rPr lang="nl-NL" dirty="0"/>
-              <a:t> Programming</a:t>
+              <a:t>Programming</a:t>
             </a:r>
           </a:p>
         </p:txBody>
@@ -6870,8 +6971,54 @@
           </a:p>
           <a:p>
             <a:r>
+              <a:rPr lang="nl-NL" dirty="0" err="1"/>
+              <a:t>Camara</a:t>
+            </a:r>
+            <a:endParaRPr lang="nl-NL" dirty="0"/>
+          </a:p>
+          <a:p>
+            <a:r>
               <a:rPr lang="nl-NL" dirty="0"/>
-              <a:t>?</a:t>
+              <a:t>Controls</a:t>
+            </a:r>
+          </a:p>
+          <a:p>
+            <a:r>
+              <a:rPr lang="nl-NL" dirty="0" err="1"/>
+              <a:t>Enemies</a:t>
+            </a:r>
+            <a:endParaRPr lang="nl-NL" dirty="0"/>
+          </a:p>
+          <a:p>
+            <a:r>
+              <a:rPr lang="nl-NL" dirty="0" err="1"/>
+              <a:t>Player</a:t>
+            </a:r>
+            <a:r>
+              <a:rPr lang="nl-NL" dirty="0"/>
+              <a:t> </a:t>
+            </a:r>
+            <a:r>
+              <a:rPr lang="nl-NL" dirty="0" err="1"/>
+              <a:t>abilities</a:t>
+            </a:r>
+            <a:endParaRPr lang="nl-NL" dirty="0"/>
+          </a:p>
+          <a:p>
+            <a:r>
+              <a:rPr lang="nl-NL" dirty="0"/>
+              <a:t>Level </a:t>
+            </a:r>
+            <a:r>
+              <a:rPr lang="nl-NL" dirty="0" err="1"/>
+              <a:t>desing</a:t>
+            </a:r>
+            <a:endParaRPr lang="nl-NL" dirty="0"/>
+          </a:p>
+          <a:p>
+            <a:r>
+              <a:rPr lang="nl-NL" dirty="0"/>
+              <a:t>GUI</a:t>
             </a:r>
           </a:p>
         </p:txBody>
@@ -6890,6 +7037,96 @@
 </file>
 
 <file path=ppt/slides/slide7.xml><?xml version="1.0" encoding="utf-8"?>
+<p:sld xmlns:a="http://schemas.openxmlformats.org/drawingml/2006/main" xmlns:r="http://schemas.openxmlformats.org/officeDocument/2006/relationships" xmlns:p="http://schemas.openxmlformats.org/presentationml/2006/main">
+  <p:cSld>
+    <p:spTree>
+      <p:nvGrpSpPr>
+        <p:cNvPr id="1" name=""/>
+        <p:cNvGrpSpPr/>
+        <p:nvPr/>
+      </p:nvGrpSpPr>
+      <p:grpSpPr>
+        <a:xfrm>
+          <a:off x="0" y="0"/>
+          <a:ext cx="0" cy="0"/>
+          <a:chOff x="0" y="0"/>
+          <a:chExt cx="0" cy="0"/>
+        </a:xfrm>
+      </p:grpSpPr>
+      <p:sp>
+        <p:nvSpPr>
+          <p:cNvPr id="2" name="Titel 1">
+            <a:extLst>
+              <a:ext uri="{FF2B5EF4-FFF2-40B4-BE49-F238E27FC236}">
+                <a16:creationId xmlns:a16="http://schemas.microsoft.com/office/drawing/2014/main" id="{AE7755AD-AEC2-429C-A710-728C6604F04E}"/>
+              </a:ext>
+            </a:extLst>
+          </p:cNvPr>
+          <p:cNvSpPr>
+            <a:spLocks noGrp="1"/>
+          </p:cNvSpPr>
+          <p:nvPr>
+            <p:ph type="title"/>
+          </p:nvPr>
+        </p:nvSpPr>
+        <p:spPr/>
+        <p:txBody>
+          <a:bodyPr/>
+          <a:lstStyle/>
+          <a:p>
+            <a:r>
+              <a:rPr lang="en-US" dirty="0"/>
+              <a:t>Completed</a:t>
+            </a:r>
+            <a:r>
+              <a:rPr lang="nl-NL" dirty="0"/>
+              <a:t> Programming</a:t>
+            </a:r>
+          </a:p>
+        </p:txBody>
+      </p:sp>
+      <p:sp>
+        <p:nvSpPr>
+          <p:cNvPr id="3" name="Tijdelijke aanduiding voor inhoud 2">
+            <a:extLst>
+              <a:ext uri="{FF2B5EF4-FFF2-40B4-BE49-F238E27FC236}">
+                <a16:creationId xmlns:a16="http://schemas.microsoft.com/office/drawing/2014/main" id="{7603005D-8F13-48A7-91D4-C288E3F3DBA1}"/>
+              </a:ext>
+            </a:extLst>
+          </p:cNvPr>
+          <p:cNvSpPr>
+            <a:spLocks noGrp="1"/>
+          </p:cNvSpPr>
+          <p:nvPr>
+            <p:ph idx="1"/>
+          </p:nvPr>
+        </p:nvSpPr>
+        <p:spPr/>
+        <p:txBody>
+          <a:bodyPr/>
+          <a:lstStyle/>
+          <a:p>
+            <a:r>
+              <a:rPr lang="nl-NL" dirty="0"/>
+              <a:t>?</a:t>
+            </a:r>
+          </a:p>
+        </p:txBody>
+      </p:sp>
+    </p:spTree>
+    <p:extLst>
+      <p:ext uri="{BB962C8B-B14F-4D97-AF65-F5344CB8AC3E}">
+        <p14:creationId xmlns:p14="http://schemas.microsoft.com/office/powerpoint/2010/main" val="3680076357"/>
+      </p:ext>
+    </p:extLst>
+  </p:cSld>
+  <p:clrMapOvr>
+    <a:masterClrMapping/>
+  </p:clrMapOvr>
+</p:sld>
+</file>
+
+<file path=ppt/slides/slide8.xml><?xml version="1.0" encoding="utf-8"?>
 <p:sld xmlns:a="http://schemas.openxmlformats.org/drawingml/2006/main" xmlns:r="http://schemas.openxmlformats.org/officeDocument/2006/relationships" xmlns:p="http://schemas.openxmlformats.org/presentationml/2006/main">
   <p:cSld>
     <p:spTree>

--- a/IndianaBones.pptx
+++ b/IndianaBones.pptx
@@ -6185,12 +6185,19 @@
           </a:xfrm>
         </p:spPr>
         <p:txBody>
-          <a:bodyPr/>
-          <a:lstStyle/>
-          <a:p>
+          <a:bodyPr>
+            <a:normAutofit/>
+          </a:bodyPr>
+          <a:lstStyle/>
+          <a:p>
+            <a:pPr algn="ctr"/>
             <a:r>
               <a:rPr lang="nl-NL" dirty="0"/>
-              <a:t>Game Design Document </a:t>
+              <a:t>Game Design Document</a:t>
+            </a:r>
+            <a:r>
+              <a:rPr lang="nl-NL" sz="6000" dirty="0"/>
+              <a:t> </a:t>
             </a:r>
           </a:p>
         </p:txBody>
@@ -6259,7 +6266,7 @@
         </p:blipFill>
         <p:spPr>
           <a:xfrm>
-            <a:off x="7257803" y="2454372"/>
+            <a:off x="6299015" y="2311278"/>
             <a:ext cx="4826377" cy="4314825"/>
           </a:xfrm>
           <a:prstGeom prst="rect">
@@ -6289,7 +6296,7 @@
         </p:blipFill>
         <p:spPr>
           <a:xfrm>
-            <a:off x="2136268" y="2897980"/>
+            <a:off x="493899" y="2809178"/>
             <a:ext cx="5274182" cy="3605212"/>
           </a:xfrm>
           <a:prstGeom prst="rect">
@@ -6786,15 +6793,22 @@
         </p:nvSpPr>
         <p:spPr/>
         <p:txBody>
-          <a:bodyPr/>
-          <a:lstStyle/>
-          <a:p>
-            <a:r>
-              <a:rPr lang="nl-NL" dirty="0" err="1"/>
+          <a:bodyPr>
+            <a:normAutofit/>
+          </a:bodyPr>
+          <a:lstStyle/>
+          <a:p>
+            <a:pPr algn="ctr"/>
+            <a:r>
+              <a:rPr lang="nl-NL" sz="6000" dirty="0" err="1">
+                <a:latin typeface="Dungeon" panose="00000400000000000000" pitchFamily="2" charset="0"/>
+              </a:rPr>
               <a:t>Completed</a:t>
             </a:r>
             <a:r>
-              <a:rPr lang="nl-NL" dirty="0"/>
+              <a:rPr lang="nl-NL" sz="6000" dirty="0">
+                <a:latin typeface="Dungeon" panose="00000400000000000000" pitchFamily="2" charset="0"/>
+              </a:rPr>
               <a:t> Art</a:t>
             </a:r>
           </a:p>
@@ -6818,37 +6832,53 @@
         </p:nvSpPr>
         <p:spPr/>
         <p:txBody>
-          <a:bodyPr/>
-          <a:lstStyle/>
-          <a:p>
-            <a:r>
-              <a:rPr lang="nl-NL" dirty="0"/>
+          <a:bodyPr>
+            <a:normAutofit/>
+          </a:bodyPr>
+          <a:lstStyle/>
+          <a:p>
+            <a:r>
+              <a:rPr lang="nl-NL" sz="3200" dirty="0">
+                <a:latin typeface="Dungeon" panose="00000400000000000000" pitchFamily="2" charset="0"/>
+              </a:rPr>
               <a:t>Wall</a:t>
             </a:r>
           </a:p>
           <a:p>
             <a:r>
-              <a:rPr lang="nl-NL" dirty="0" err="1"/>
+              <a:rPr lang="nl-NL" sz="3200" dirty="0" err="1">
+                <a:latin typeface="Dungeon" panose="00000400000000000000" pitchFamily="2" charset="0"/>
+              </a:rPr>
               <a:t>Ground</a:t>
             </a:r>
-            <a:endParaRPr lang="nl-NL" dirty="0"/>
-          </a:p>
-          <a:p>
-            <a:r>
-              <a:rPr lang="nl-NL" dirty="0" err="1"/>
+            <a:endParaRPr lang="nl-NL" sz="3200" dirty="0">
+              <a:latin typeface="Dungeon" panose="00000400000000000000" pitchFamily="2" charset="0"/>
+            </a:endParaRPr>
+          </a:p>
+          <a:p>
+            <a:r>
+              <a:rPr lang="nl-NL" sz="3200" dirty="0" err="1">
+                <a:latin typeface="Dungeon" panose="00000400000000000000" pitchFamily="2" charset="0"/>
+              </a:rPr>
               <a:t>Foreground</a:t>
             </a:r>
             <a:r>
-              <a:rPr lang="nl-NL" dirty="0"/>
+              <a:rPr lang="nl-NL" sz="3200" dirty="0">
+                <a:latin typeface="Dungeon" panose="00000400000000000000" pitchFamily="2" charset="0"/>
+              </a:rPr>
               <a:t> </a:t>
             </a:r>
           </a:p>
           <a:p>
             <a:r>
-              <a:rPr lang="nl-NL" dirty="0" err="1"/>
+              <a:rPr lang="nl-NL" sz="3200" dirty="0" err="1">
+                <a:latin typeface="Dungeon" panose="00000400000000000000" pitchFamily="2" charset="0"/>
+              </a:rPr>
               <a:t>Pillar</a:t>
             </a:r>
-            <a:endParaRPr lang="nl-NL" dirty="0"/>
+            <a:endParaRPr lang="nl-NL" sz="3200" dirty="0">
+              <a:latin typeface="Dungeon" panose="00000400000000000000" pitchFamily="2" charset="0"/>
+            </a:endParaRPr>
           </a:p>
         </p:txBody>
       </p:sp>
@@ -6880,7 +6910,7 @@
         </p:blipFill>
         <p:spPr>
           <a:xfrm>
-            <a:off x="4320242" y="433916"/>
+            <a:off x="4098300" y="2262630"/>
             <a:ext cx="7766983" cy="3676690"/>
           </a:xfrm>
           <a:prstGeom prst="rect">
@@ -6936,11 +6966,16 @@
         </p:nvSpPr>
         <p:spPr/>
         <p:txBody>
-          <a:bodyPr/>
-          <a:lstStyle/>
-          <a:p>
-            <a:r>
-              <a:rPr lang="nl-NL" dirty="0"/>
+          <a:bodyPr>
+            <a:normAutofit/>
+          </a:bodyPr>
+          <a:lstStyle/>
+          <a:p>
+            <a:pPr algn="ctr"/>
+            <a:r>
+              <a:rPr lang="nl-NL" sz="6000" dirty="0">
+                <a:latin typeface="Dungeon" panose="00000400000000000000" pitchFamily="2" charset="0"/>
+              </a:rPr>
               <a:t>Programming</a:t>
             </a:r>
           </a:p>
@@ -6964,60 +6999,88 @@
         </p:nvSpPr>
         <p:spPr/>
         <p:txBody>
-          <a:bodyPr/>
+          <a:bodyPr>
+            <a:normAutofit lnSpcReduction="10000"/>
+          </a:bodyPr>
           <a:lstStyle/>
           <a:p>
             <a:endParaRPr lang="nl-NL" dirty="0"/>
           </a:p>
           <a:p>
             <a:r>
-              <a:rPr lang="nl-NL" dirty="0" err="1"/>
+              <a:rPr lang="nl-NL" sz="3200" dirty="0" err="1">
+                <a:latin typeface="Dungeon" panose="00000400000000000000" pitchFamily="2" charset="0"/>
+              </a:rPr>
               <a:t>Camara</a:t>
             </a:r>
-            <a:endParaRPr lang="nl-NL" dirty="0"/>
-          </a:p>
-          <a:p>
-            <a:r>
-              <a:rPr lang="nl-NL" dirty="0"/>
+            <a:endParaRPr lang="nl-NL" sz="3200" dirty="0">
+              <a:latin typeface="Dungeon" panose="00000400000000000000" pitchFamily="2" charset="0"/>
+            </a:endParaRPr>
+          </a:p>
+          <a:p>
+            <a:r>
+              <a:rPr lang="nl-NL" sz="3200" dirty="0">
+                <a:latin typeface="Dungeon" panose="00000400000000000000" pitchFamily="2" charset="0"/>
+              </a:rPr>
               <a:t>Controls</a:t>
             </a:r>
           </a:p>
           <a:p>
             <a:r>
-              <a:rPr lang="nl-NL" dirty="0" err="1"/>
+              <a:rPr lang="nl-NL" sz="3200" dirty="0" err="1">
+                <a:latin typeface="Dungeon" panose="00000400000000000000" pitchFamily="2" charset="0"/>
+              </a:rPr>
               <a:t>Enemies</a:t>
             </a:r>
-            <a:endParaRPr lang="nl-NL" dirty="0"/>
-          </a:p>
-          <a:p>
-            <a:r>
-              <a:rPr lang="nl-NL" dirty="0" err="1"/>
+            <a:endParaRPr lang="nl-NL" sz="3200" dirty="0">
+              <a:latin typeface="Dungeon" panose="00000400000000000000" pitchFamily="2" charset="0"/>
+            </a:endParaRPr>
+          </a:p>
+          <a:p>
+            <a:r>
+              <a:rPr lang="nl-NL" sz="3200" dirty="0" err="1">
+                <a:latin typeface="Dungeon" panose="00000400000000000000" pitchFamily="2" charset="0"/>
+              </a:rPr>
               <a:t>Player</a:t>
             </a:r>
             <a:r>
-              <a:rPr lang="nl-NL" dirty="0"/>
+              <a:rPr lang="nl-NL" sz="3200" dirty="0">
+                <a:latin typeface="Dungeon" panose="00000400000000000000" pitchFamily="2" charset="0"/>
+              </a:rPr>
               <a:t> </a:t>
             </a:r>
             <a:r>
-              <a:rPr lang="nl-NL" dirty="0" err="1"/>
+              <a:rPr lang="nl-NL" sz="3200" dirty="0" err="1">
+                <a:latin typeface="Dungeon" panose="00000400000000000000" pitchFamily="2" charset="0"/>
+              </a:rPr>
               <a:t>abilities</a:t>
             </a:r>
-            <a:endParaRPr lang="nl-NL" dirty="0"/>
-          </a:p>
-          <a:p>
-            <a:r>
-              <a:rPr lang="nl-NL" dirty="0"/>
+            <a:endParaRPr lang="nl-NL" sz="3200" dirty="0">
+              <a:latin typeface="Dungeon" panose="00000400000000000000" pitchFamily="2" charset="0"/>
+            </a:endParaRPr>
+          </a:p>
+          <a:p>
+            <a:r>
+              <a:rPr lang="nl-NL" sz="3200" dirty="0">
+                <a:latin typeface="Dungeon" panose="00000400000000000000" pitchFamily="2" charset="0"/>
+              </a:rPr>
               <a:t>Level </a:t>
             </a:r>
             <a:r>
-              <a:rPr lang="nl-NL" dirty="0" err="1"/>
+              <a:rPr lang="nl-NL" sz="3200" dirty="0" err="1">
+                <a:latin typeface="Dungeon" panose="00000400000000000000" pitchFamily="2" charset="0"/>
+              </a:rPr>
               <a:t>desing</a:t>
             </a:r>
-            <a:endParaRPr lang="nl-NL" dirty="0"/>
-          </a:p>
-          <a:p>
-            <a:r>
-              <a:rPr lang="nl-NL" dirty="0"/>
+            <a:endParaRPr lang="nl-NL" sz="3200" dirty="0">
+              <a:latin typeface="Dungeon" panose="00000400000000000000" pitchFamily="2" charset="0"/>
+            </a:endParaRPr>
+          </a:p>
+          <a:p>
+            <a:r>
+              <a:rPr lang="nl-NL" sz="3200" dirty="0">
+                <a:latin typeface="Dungeon" panose="00000400000000000000" pitchFamily="2" charset="0"/>
+              </a:rPr>
               <a:t>GUI</a:t>
             </a:r>
           </a:p>
@@ -7071,17 +7134,21 @@
         </p:nvSpPr>
         <p:spPr/>
         <p:txBody>
-          <a:bodyPr/>
-          <a:lstStyle/>
-          <a:p>
-            <a:r>
-              <a:rPr lang="en-US" dirty="0"/>
-              <a:t>Completed</a:t>
-            </a:r>
-            <a:r>
-              <a:rPr lang="nl-NL" dirty="0"/>
-              <a:t> Programming</a:t>
-            </a:r>
+          <a:bodyPr>
+            <a:normAutofit/>
+          </a:bodyPr>
+          <a:lstStyle/>
+          <a:p>
+            <a:pPr algn="ctr"/>
+            <a:r>
+              <a:rPr lang="en-US" sz="6000" dirty="0" err="1">
+                <a:latin typeface="Dungeon" panose="00000400000000000000" pitchFamily="2" charset="0"/>
+              </a:rPr>
+              <a:t>CurrentMechanics</a:t>
+            </a:r>
+            <a:endParaRPr lang="nl-NL" sz="6000" dirty="0">
+              <a:latin typeface="Dungeon" panose="00000400000000000000" pitchFamily="2" charset="0"/>
+            </a:endParaRPr>
           </a:p>
         </p:txBody>
       </p:sp>
@@ -7108,8 +7175,21 @@
           <a:p>
             <a:r>
               <a:rPr lang="nl-NL" dirty="0"/>
-              <a:t>?</a:t>
-            </a:r>
+              <a:t>Trap Systeem</a:t>
+            </a:r>
+          </a:p>
+          <a:p>
+            <a:r>
+              <a:rPr lang="nl-NL" dirty="0"/>
+              <a:t>Camera Systeem</a:t>
+            </a:r>
+          </a:p>
+          <a:p>
+            <a:r>
+              <a:rPr lang="nl-NL" dirty="0" err="1"/>
+              <a:t>BasicPuzzle</a:t>
+            </a:r>
+            <a:endParaRPr lang="nl-NL" dirty="0"/>
           </a:p>
         </p:txBody>
       </p:sp>
@@ -7189,11 +7269,15 @@
         </p:nvSpPr>
         <p:spPr/>
         <p:txBody>
-          <a:bodyPr/>
-          <a:lstStyle/>
-          <a:p>
-            <a:r>
-              <a:rPr lang="nl-NL" dirty="0"/>
+          <a:bodyPr>
+            <a:normAutofit/>
+          </a:bodyPr>
+          <a:lstStyle/>
+          <a:p>
+            <a:r>
+              <a:rPr lang="nl-NL" sz="3200" dirty="0">
+                <a:latin typeface="Dungeon" panose="00000400000000000000" pitchFamily="2" charset="0"/>
+              </a:rPr>
               <a:t>Demo gameplay</a:t>
             </a:r>
           </a:p>

--- a/IndianaBones.pptx
+++ b/IndianaBones.pptx
@@ -6130,18 +6130,6 @@
   <p:clrMapOvr>
     <a:masterClrMapping/>
   </p:clrMapOvr>
-  <mc:AlternateContent xmlns:mc="http://schemas.openxmlformats.org/markup-compatibility/2006" xmlns:p15="http://schemas.microsoft.com/office/powerpoint/2012/main">
-    <mc:Choice Requires="p15">
-      <p:transition xmlns:p14="http://schemas.microsoft.com/office/powerpoint/2010/main" spd="slow" p14:dur="6000">
-        <p15:prstTrans prst="curtains"/>
-      </p:transition>
-    </mc:Choice>
-    <mc:Fallback xmlns="">
-      <p:transition spd="slow">
-        <p:fade/>
-      </p:transition>
-    </mc:Fallback>
-  </mc:AlternateContent>
 </p:sld>
 </file>
 
@@ -6743,18 +6731,6 @@
   <p:clrMapOvr>
     <a:masterClrMapping/>
   </p:clrMapOvr>
-  <mc:AlternateContent xmlns:mc="http://schemas.openxmlformats.org/markup-compatibility/2006" xmlns:p15="http://schemas.microsoft.com/office/powerpoint/2012/main">
-    <mc:Choice Requires="p15">
-      <p:transition xmlns:p14="http://schemas.microsoft.com/office/powerpoint/2010/main" spd="slow" p14:dur="2000">
-        <p15:prstTrans prst="wind"/>
-      </p:transition>
-    </mc:Choice>
-    <mc:Fallback xmlns="">
-      <p:transition spd="slow">
-        <p:fade/>
-      </p:transition>
-    </mc:Fallback>
-  </mc:AlternateContent>
 </p:sld>
 </file>
 

--- a/IndianaBones.pptx
+++ b/IndianaBones.pptx
@@ -11,8 +11,7 @@
     <p:sldId id="258" r:id="rId5"/>
     <p:sldId id="259" r:id="rId6"/>
     <p:sldId id="262" r:id="rId7"/>
-    <p:sldId id="263" r:id="rId8"/>
-    <p:sldId id="261" r:id="rId9"/>
+    <p:sldId id="261" r:id="rId8"/>
   </p:sldIdLst>
   <p:sldSz cx="12192000" cy="6858000"/>
   <p:notesSz cx="6858000" cy="9144000"/>
@@ -122,7 +121,6 @@
             <p14:sldId id="258"/>
             <p14:sldId id="259"/>
             <p14:sldId id="262"/>
-            <p14:sldId id="263"/>
             <p14:sldId id="261"/>
           </p14:sldIdLst>
         </p14:section>
@@ -899,7 +897,7 @@
           <a:p>
             <a:fld id="{46039FD6-8079-44AC-951E-483570723F70}" type="slidenum">
               <a:rPr lang="en-GB" smtClean="0"/>
-              <a:t>‹nr.›</a:t>
+              <a:t>‹#›</a:t>
             </a:fld>
             <a:endParaRPr lang="en-GB"/>
           </a:p>
@@ -1150,7 +1148,7 @@
           <a:p>
             <a:fld id="{46039FD6-8079-44AC-951E-483570723F70}" type="slidenum">
               <a:rPr lang="en-GB" smtClean="0"/>
-              <a:t>‹nr.›</a:t>
+              <a:t>‹#›</a:t>
             </a:fld>
             <a:endParaRPr lang="en-GB"/>
           </a:p>
@@ -1464,7 +1462,7 @@
           <a:p>
             <a:fld id="{46039FD6-8079-44AC-951E-483570723F70}" type="slidenum">
               <a:rPr lang="en-GB" smtClean="0"/>
-              <a:t>‹nr.›</a:t>
+              <a:t>‹#›</a:t>
             </a:fld>
             <a:endParaRPr lang="en-GB"/>
           </a:p>
@@ -1805,7 +1803,7 @@
           <a:p>
             <a:fld id="{46039FD6-8079-44AC-951E-483570723F70}" type="slidenum">
               <a:rPr lang="en-GB" smtClean="0"/>
-              <a:t>‹nr.›</a:t>
+              <a:t>‹#›</a:t>
             </a:fld>
             <a:endParaRPr lang="en-GB"/>
           </a:p>
@@ -2119,7 +2117,7 @@
           <a:p>
             <a:fld id="{46039FD6-8079-44AC-951E-483570723F70}" type="slidenum">
               <a:rPr lang="en-GB" smtClean="0"/>
-              <a:t>‹nr.›</a:t>
+              <a:t>‹#›</a:t>
             </a:fld>
             <a:endParaRPr lang="en-GB"/>
           </a:p>
@@ -2512,7 +2510,7 @@
           <a:p>
             <a:fld id="{46039FD6-8079-44AC-951E-483570723F70}" type="slidenum">
               <a:rPr lang="en-GB" smtClean="0"/>
-              <a:t>‹nr.›</a:t>
+              <a:t>‹#›</a:t>
             </a:fld>
             <a:endParaRPr lang="en-GB"/>
           </a:p>
@@ -2682,7 +2680,7 @@
           <a:p>
             <a:fld id="{46039FD6-8079-44AC-951E-483570723F70}" type="slidenum">
               <a:rPr lang="en-GB" smtClean="0"/>
-              <a:t>‹nr.›</a:t>
+              <a:t>‹#›</a:t>
             </a:fld>
             <a:endParaRPr lang="en-GB"/>
           </a:p>
@@ -2862,7 +2860,7 @@
           <a:p>
             <a:fld id="{46039FD6-8079-44AC-951E-483570723F70}" type="slidenum">
               <a:rPr lang="en-GB" smtClean="0"/>
-              <a:t>‹nr.›</a:t>
+              <a:t>‹#›</a:t>
             </a:fld>
             <a:endParaRPr lang="en-GB"/>
           </a:p>
@@ -3038,7 +3036,7 @@
           <a:p>
             <a:fld id="{46039FD6-8079-44AC-951E-483570723F70}" type="slidenum">
               <a:rPr lang="en-GB" smtClean="0"/>
-              <a:t>‹nr.›</a:t>
+              <a:t>‹#›</a:t>
             </a:fld>
             <a:endParaRPr lang="en-GB"/>
           </a:p>
@@ -3285,7 +3283,7 @@
           <a:p>
             <a:fld id="{46039FD6-8079-44AC-951E-483570723F70}" type="slidenum">
               <a:rPr lang="en-GB" smtClean="0"/>
-              <a:t>‹nr.›</a:t>
+              <a:t>‹#›</a:t>
             </a:fld>
             <a:endParaRPr lang="en-GB"/>
           </a:p>
@@ -3517,7 +3515,7 @@
           <a:p>
             <a:fld id="{46039FD6-8079-44AC-951E-483570723F70}" type="slidenum">
               <a:rPr lang="en-GB" smtClean="0"/>
-              <a:t>‹nr.›</a:t>
+              <a:t>‹#›</a:t>
             </a:fld>
             <a:endParaRPr lang="en-GB"/>
           </a:p>
@@ -3891,7 +3889,7 @@
           <a:p>
             <a:fld id="{46039FD6-8079-44AC-951E-483570723F70}" type="slidenum">
               <a:rPr lang="en-GB" smtClean="0"/>
-              <a:t>‹nr.›</a:t>
+              <a:t>‹#›</a:t>
             </a:fld>
             <a:endParaRPr lang="en-GB"/>
           </a:p>
@@ -4014,7 +4012,7 @@
           <a:p>
             <a:fld id="{46039FD6-8079-44AC-951E-483570723F70}" type="slidenum">
               <a:rPr lang="en-GB" smtClean="0"/>
-              <a:t>‹nr.›</a:t>
+              <a:t>‹#›</a:t>
             </a:fld>
             <a:endParaRPr lang="en-GB"/>
           </a:p>
@@ -4109,7 +4107,7 @@
           <a:p>
             <a:fld id="{46039FD6-8079-44AC-951E-483570723F70}" type="slidenum">
               <a:rPr lang="en-GB" smtClean="0"/>
-              <a:t>‹nr.›</a:t>
+              <a:t>‹#›</a:t>
             </a:fld>
             <a:endParaRPr lang="en-GB"/>
           </a:p>
@@ -4364,7 +4362,7 @@
           <a:p>
             <a:fld id="{46039FD6-8079-44AC-951E-483570723F70}" type="slidenum">
               <a:rPr lang="en-GB" smtClean="0"/>
-              <a:t>‹nr.›</a:t>
+              <a:t>‹#›</a:t>
             </a:fld>
             <a:endParaRPr lang="en-GB"/>
           </a:p>
@@ -4627,7 +4625,7 @@
           <a:p>
             <a:fld id="{46039FD6-8079-44AC-951E-483570723F70}" type="slidenum">
               <a:rPr lang="en-GB" smtClean="0"/>
-              <a:t>‹nr.›</a:t>
+              <a:t>‹#›</a:t>
             </a:fld>
             <a:endParaRPr lang="en-GB"/>
           </a:p>
@@ -5404,7 +5402,7 @@
           <a:p>
             <a:fld id="{46039FD6-8079-44AC-951E-483570723F70}" type="slidenum">
               <a:rPr lang="en-GB" smtClean="0"/>
-              <a:t>‹nr.›</a:t>
+              <a:t>‹#›</a:t>
             </a:fld>
             <a:endParaRPr lang="en-GB"/>
           </a:p>
@@ -5983,13 +5981,7 @@
               <a:rPr lang="en-US" sz="6000" dirty="0">
                 <a:latin typeface="Dungeon" panose="00000400000000000000" pitchFamily="2" charset="0"/>
               </a:rPr>
-              <a:t>Planned</a:t>
-            </a:r>
-            <a:r>
-              <a:rPr lang="nl-NL" sz="6000" dirty="0">
-                <a:latin typeface="Dungeon" panose="00000400000000000000" pitchFamily="2" charset="0"/>
-              </a:rPr>
-              <a:t> content</a:t>
+              <a:t>Gameplay</a:t>
             </a:r>
             <a:endParaRPr lang="en-GB" sz="6000" dirty="0">
               <a:latin typeface="Dungeon" panose="00000400000000000000" pitchFamily="2" charset="0"/>
@@ -6115,8 +6107,23 @@
                 </a:solidFill>
                 <a:latin typeface="Dungeon" panose="00000400000000000000" pitchFamily="2" charset="0"/>
               </a:rPr>
-              <a:t>Level design</a:t>
-            </a:r>
+              <a:t>World </a:t>
+            </a:r>
+            <a:r>
+              <a:rPr lang="nl-NL" sz="3200" dirty="0" err="1">
+                <a:solidFill>
+                  <a:schemeClr val="tx1"/>
+                </a:solidFill>
+                <a:latin typeface="Dungeon" panose="00000400000000000000" pitchFamily="2" charset="0"/>
+              </a:rPr>
+              <a:t>creation</a:t>
+            </a:r>
+            <a:endParaRPr lang="nl-NL" sz="3200" dirty="0">
+              <a:solidFill>
+                <a:schemeClr val="tx1"/>
+              </a:solidFill>
+              <a:latin typeface="Dungeon" panose="00000400000000000000" pitchFamily="2" charset="0"/>
+            </a:endParaRPr>
           </a:p>
         </p:txBody>
       </p:sp>
@@ -6779,13 +6786,13 @@
               <a:rPr lang="nl-NL" sz="6000" dirty="0" err="1">
                 <a:latin typeface="Dungeon" panose="00000400000000000000" pitchFamily="2" charset="0"/>
               </a:rPr>
-              <a:t>Completed</a:t>
+              <a:t>Current</a:t>
             </a:r>
             <a:r>
               <a:rPr lang="nl-NL" sz="6000" dirty="0">
                 <a:latin typeface="Dungeon" panose="00000400000000000000" pitchFamily="2" charset="0"/>
               </a:rPr>
-              <a:t> Art</a:t>
+              <a:t> Graphics</a:t>
             </a:r>
           </a:p>
         </p:txBody>
@@ -6817,44 +6824,24 @@
               <a:rPr lang="nl-NL" sz="3200" dirty="0">
                 <a:latin typeface="Dungeon" panose="00000400000000000000" pitchFamily="2" charset="0"/>
               </a:rPr>
-              <a:t>Wall</a:t>
-            </a:r>
-          </a:p>
-          <a:p>
-            <a:r>
-              <a:rPr lang="nl-NL" sz="3200" dirty="0" err="1">
-                <a:latin typeface="Dungeon" panose="00000400000000000000" pitchFamily="2" charset="0"/>
-              </a:rPr>
-              <a:t>Ground</a:t>
-            </a:r>
-            <a:endParaRPr lang="nl-NL" sz="3200" dirty="0">
-              <a:latin typeface="Dungeon" panose="00000400000000000000" pitchFamily="2" charset="0"/>
-            </a:endParaRPr>
-          </a:p>
-          <a:p>
-            <a:r>
-              <a:rPr lang="nl-NL" sz="3200" dirty="0" err="1">
-                <a:latin typeface="Dungeon" panose="00000400000000000000" pitchFamily="2" charset="0"/>
-              </a:rPr>
-              <a:t>Foreground</a:t>
-            </a:r>
+              <a:t>Art</a:t>
+            </a:r>
+          </a:p>
+          <a:p>
             <a:r>
               <a:rPr lang="nl-NL" sz="3200" dirty="0">
                 <a:latin typeface="Dungeon" panose="00000400000000000000" pitchFamily="2" charset="0"/>
               </a:rPr>
-              <a:t> </a:t>
-            </a:r>
-          </a:p>
-          <a:p>
-            <a:r>
-              <a:rPr lang="nl-NL" sz="3200" dirty="0" err="1">
+              <a:t>Level Design</a:t>
+            </a:r>
+          </a:p>
+          <a:p>
+            <a:r>
+              <a:rPr lang="nl-NL" sz="3200" dirty="0">
                 <a:latin typeface="Dungeon" panose="00000400000000000000" pitchFamily="2" charset="0"/>
               </a:rPr>
-              <a:t>Pillar</a:t>
-            </a:r>
-            <a:endParaRPr lang="nl-NL" sz="3200" dirty="0">
-              <a:latin typeface="Dungeon" panose="00000400000000000000" pitchFamily="2" charset="0"/>
-            </a:endParaRPr>
+              <a:t>Camera View</a:t>
+            </a:r>
           </a:p>
         </p:txBody>
       </p:sp>
@@ -6886,8 +6873,38 @@
         </p:blipFill>
         <p:spPr>
           <a:xfrm>
-            <a:off x="4098300" y="2262630"/>
-            <a:ext cx="7766983" cy="3676690"/>
+            <a:off x="4927107" y="2262630"/>
+            <a:ext cx="7264893" cy="3676690"/>
+          </a:xfrm>
+          <a:prstGeom prst="rect">
+            <a:avLst/>
+          </a:prstGeom>
+        </p:spPr>
+      </p:pic>
+      <p:pic>
+        <p:nvPicPr>
+          <p:cNvPr id="4" name="Picture 3">
+            <a:extLst>
+              <a:ext uri="{FF2B5EF4-FFF2-40B4-BE49-F238E27FC236}">
+                <a16:creationId xmlns:a16="http://schemas.microsoft.com/office/drawing/2014/main" id="{D4F1A9D8-496F-4789-89E8-6DD7BC038B3F}"/>
+              </a:ext>
+            </a:extLst>
+          </p:cNvPr>
+          <p:cNvPicPr>
+            <a:picLocks noChangeAspect="1"/>
+          </p:cNvPicPr>
+          <p:nvPr/>
+        </p:nvPicPr>
+        <p:blipFill>
+          <a:blip r:embed="rId3"/>
+          <a:stretch>
+            <a:fillRect/>
+          </a:stretch>
+        </p:blipFill>
+        <p:spPr>
+          <a:xfrm>
+            <a:off x="4452937" y="4486275"/>
+            <a:ext cx="1287951" cy="2271712"/>
           </a:xfrm>
           <a:prstGeom prst="rect">
             <a:avLst/>
@@ -6952,7 +6969,7 @@
               <a:rPr lang="nl-NL" sz="6000" dirty="0">
                 <a:latin typeface="Dungeon" panose="00000400000000000000" pitchFamily="2" charset="0"/>
               </a:rPr>
-              <a:t>Programming</a:t>
+              <a:t>Technical</a:t>
             </a:r>
           </a:p>
         </p:txBody>
@@ -6976,7 +6993,7 @@
         <p:spPr/>
         <p:txBody>
           <a:bodyPr>
-            <a:normAutofit lnSpcReduction="10000"/>
+            <a:normAutofit/>
           </a:bodyPr>
           <a:lstStyle/>
           <a:p>
@@ -6984,14 +7001,11 @@
           </a:p>
           <a:p>
             <a:r>
-              <a:rPr lang="nl-NL" sz="3200" dirty="0" err="1">
+              <a:rPr lang="nl-NL" sz="3200" dirty="0">
                 <a:latin typeface="Dungeon" panose="00000400000000000000" pitchFamily="2" charset="0"/>
               </a:rPr>
-              <a:t>Camara</a:t>
-            </a:r>
-            <a:endParaRPr lang="nl-NL" sz="3200" dirty="0">
-              <a:latin typeface="Dungeon" panose="00000400000000000000" pitchFamily="2" charset="0"/>
-            </a:endParaRPr>
+              <a:t>Camera</a:t>
+            </a:r>
           </a:p>
           <a:p>
             <a:r>
@@ -7006,7 +7020,7 @@
               <a:rPr lang="nl-NL" sz="3200" dirty="0" err="1">
                 <a:latin typeface="Dungeon" panose="00000400000000000000" pitchFamily="2" charset="0"/>
               </a:rPr>
-              <a:t>Enemies</a:t>
+              <a:t>Traps</a:t>
             </a:r>
             <a:endParaRPr lang="nl-NL" sz="3200" dirty="0">
               <a:latin typeface="Dungeon" panose="00000400000000000000" pitchFamily="2" charset="0"/>
@@ -7040,28 +7054,41 @@
               <a:rPr lang="nl-NL" sz="3200" dirty="0">
                 <a:latin typeface="Dungeon" panose="00000400000000000000" pitchFamily="2" charset="0"/>
               </a:rPr>
-              <a:t>Level </a:t>
-            </a:r>
-            <a:r>
-              <a:rPr lang="nl-NL" sz="3200" dirty="0" err="1">
-                <a:latin typeface="Dungeon" panose="00000400000000000000" pitchFamily="2" charset="0"/>
-              </a:rPr>
-              <a:t>desing</a:t>
-            </a:r>
-            <a:endParaRPr lang="nl-NL" sz="3200" dirty="0">
-              <a:latin typeface="Dungeon" panose="00000400000000000000" pitchFamily="2" charset="0"/>
-            </a:endParaRPr>
-          </a:p>
-          <a:p>
-            <a:r>
-              <a:rPr lang="nl-NL" sz="3200" dirty="0">
-                <a:latin typeface="Dungeon" panose="00000400000000000000" pitchFamily="2" charset="0"/>
-              </a:rPr>
               <a:t>GUI</a:t>
             </a:r>
           </a:p>
         </p:txBody>
       </p:sp>
+      <p:pic>
+        <p:nvPicPr>
+          <p:cNvPr id="4" name="Picture 3">
+            <a:extLst>
+              <a:ext uri="{FF2B5EF4-FFF2-40B4-BE49-F238E27FC236}">
+                <a16:creationId xmlns:a16="http://schemas.microsoft.com/office/drawing/2014/main" id="{25751E2D-C09E-4EC2-AADA-09C3204639B2}"/>
+              </a:ext>
+            </a:extLst>
+          </p:cNvPr>
+          <p:cNvPicPr>
+            <a:picLocks noChangeAspect="1"/>
+          </p:cNvPicPr>
+          <p:nvPr/>
+        </p:nvPicPr>
+        <p:blipFill>
+          <a:blip r:embed="rId2"/>
+          <a:stretch>
+            <a:fillRect/>
+          </a:stretch>
+        </p:blipFill>
+        <p:spPr>
+          <a:xfrm>
+            <a:off x="6746594" y="2160589"/>
+            <a:ext cx="2527408" cy="2845853"/>
+          </a:xfrm>
+          <a:prstGeom prst="rect">
+            <a:avLst/>
+          </a:prstGeom>
+        </p:spPr>
+      </p:pic>
     </p:spTree>
     <p:extLst>
       <p:ext uri="{BB962C8B-B14F-4D97-AF65-F5344CB8AC3E}">
@@ -7076,113 +7103,6 @@
 </file>
 
 <file path=ppt/slides/slide7.xml><?xml version="1.0" encoding="utf-8"?>
-<p:sld xmlns:a="http://schemas.openxmlformats.org/drawingml/2006/main" xmlns:r="http://schemas.openxmlformats.org/officeDocument/2006/relationships" xmlns:p="http://schemas.openxmlformats.org/presentationml/2006/main">
-  <p:cSld>
-    <p:spTree>
-      <p:nvGrpSpPr>
-        <p:cNvPr id="1" name=""/>
-        <p:cNvGrpSpPr/>
-        <p:nvPr/>
-      </p:nvGrpSpPr>
-      <p:grpSpPr>
-        <a:xfrm>
-          <a:off x="0" y="0"/>
-          <a:ext cx="0" cy="0"/>
-          <a:chOff x="0" y="0"/>
-          <a:chExt cx="0" cy="0"/>
-        </a:xfrm>
-      </p:grpSpPr>
-      <p:sp>
-        <p:nvSpPr>
-          <p:cNvPr id="2" name="Titel 1">
-            <a:extLst>
-              <a:ext uri="{FF2B5EF4-FFF2-40B4-BE49-F238E27FC236}">
-                <a16:creationId xmlns:a16="http://schemas.microsoft.com/office/drawing/2014/main" id="{AE7755AD-AEC2-429C-A710-728C6604F04E}"/>
-              </a:ext>
-            </a:extLst>
-          </p:cNvPr>
-          <p:cNvSpPr>
-            <a:spLocks noGrp="1"/>
-          </p:cNvSpPr>
-          <p:nvPr>
-            <p:ph type="title"/>
-          </p:nvPr>
-        </p:nvSpPr>
-        <p:spPr/>
-        <p:txBody>
-          <a:bodyPr>
-            <a:normAutofit/>
-          </a:bodyPr>
-          <a:lstStyle/>
-          <a:p>
-            <a:pPr algn="ctr"/>
-            <a:r>
-              <a:rPr lang="en-US" sz="6000" dirty="0" err="1">
-                <a:latin typeface="Dungeon" panose="00000400000000000000" pitchFamily="2" charset="0"/>
-              </a:rPr>
-              <a:t>CurrentMechanics</a:t>
-            </a:r>
-            <a:endParaRPr lang="nl-NL" sz="6000" dirty="0">
-              <a:latin typeface="Dungeon" panose="00000400000000000000" pitchFamily="2" charset="0"/>
-            </a:endParaRPr>
-          </a:p>
-        </p:txBody>
-      </p:sp>
-      <p:sp>
-        <p:nvSpPr>
-          <p:cNvPr id="3" name="Tijdelijke aanduiding voor inhoud 2">
-            <a:extLst>
-              <a:ext uri="{FF2B5EF4-FFF2-40B4-BE49-F238E27FC236}">
-                <a16:creationId xmlns:a16="http://schemas.microsoft.com/office/drawing/2014/main" id="{7603005D-8F13-48A7-91D4-C288E3F3DBA1}"/>
-              </a:ext>
-            </a:extLst>
-          </p:cNvPr>
-          <p:cNvSpPr>
-            <a:spLocks noGrp="1"/>
-          </p:cNvSpPr>
-          <p:nvPr>
-            <p:ph idx="1"/>
-          </p:nvPr>
-        </p:nvSpPr>
-        <p:spPr/>
-        <p:txBody>
-          <a:bodyPr/>
-          <a:lstStyle/>
-          <a:p>
-            <a:r>
-              <a:rPr lang="nl-NL" dirty="0"/>
-              <a:t>Trap Systeem</a:t>
-            </a:r>
-          </a:p>
-          <a:p>
-            <a:r>
-              <a:rPr lang="nl-NL" dirty="0"/>
-              <a:t>Camera Systeem</a:t>
-            </a:r>
-          </a:p>
-          <a:p>
-            <a:r>
-              <a:rPr lang="nl-NL" dirty="0" err="1"/>
-              <a:t>BasicPuzzle</a:t>
-            </a:r>
-            <a:endParaRPr lang="nl-NL" dirty="0"/>
-          </a:p>
-        </p:txBody>
-      </p:sp>
-    </p:spTree>
-    <p:extLst>
-      <p:ext uri="{BB962C8B-B14F-4D97-AF65-F5344CB8AC3E}">
-        <p14:creationId xmlns:p14="http://schemas.microsoft.com/office/powerpoint/2010/main" val="3680076357"/>
-      </p:ext>
-    </p:extLst>
-  </p:cSld>
-  <p:clrMapOvr>
-    <a:masterClrMapping/>
-  </p:clrMapOvr>
-</p:sld>
-</file>
-
-<file path=ppt/slides/slide8.xml><?xml version="1.0" encoding="utf-8"?>
 <p:sld xmlns:a="http://schemas.openxmlformats.org/drawingml/2006/main" xmlns:r="http://schemas.openxmlformats.org/officeDocument/2006/relationships" xmlns:p="http://schemas.openxmlformats.org/presentationml/2006/main">
   <p:cSld>
     <p:spTree>

--- a/IndianaBones.pptx
+++ b/IndianaBones.pptx
@@ -6241,10 +6241,10 @@
       </p:sp>
       <p:pic>
         <p:nvPicPr>
-          <p:cNvPr id="4" name="Afbeelding 3">
+          <p:cNvPr id="5" name="Afbeelding 4">
             <a:extLst>
               <a:ext uri="{FF2B5EF4-FFF2-40B4-BE49-F238E27FC236}">
-                <a16:creationId xmlns:a16="http://schemas.microsoft.com/office/drawing/2014/main" id="{777CAB2B-F525-4DA7-B030-5B7B57046AB8}"/>
+                <a16:creationId xmlns:a16="http://schemas.microsoft.com/office/drawing/2014/main" id="{2C5EEC11-CFBF-4B46-B40B-9FC256EC63AB}"/>
               </a:ext>
             </a:extLst>
           </p:cNvPr>
@@ -6261,8 +6261,8 @@
         </p:blipFill>
         <p:spPr>
           <a:xfrm>
-            <a:off x="6299015" y="2311278"/>
-            <a:ext cx="4826377" cy="4314825"/>
+            <a:off x="493899" y="2809178"/>
+            <a:ext cx="5274182" cy="3605212"/>
           </a:xfrm>
           <a:prstGeom prst="rect">
             <a:avLst/>
@@ -6271,10 +6271,10 @@
       </p:pic>
       <p:pic>
         <p:nvPicPr>
-          <p:cNvPr id="5" name="Afbeelding 4">
+          <p:cNvPr id="4" name="Picture 3">
             <a:extLst>
               <a:ext uri="{FF2B5EF4-FFF2-40B4-BE49-F238E27FC236}">
-                <a16:creationId xmlns:a16="http://schemas.microsoft.com/office/drawing/2014/main" id="{2C5EEC11-CFBF-4B46-B40B-9FC256EC63AB}"/>
+                <a16:creationId xmlns:a16="http://schemas.microsoft.com/office/drawing/2014/main" id="{BD7595B6-5ADD-4D58-9CCB-0FA6E316FA3C}"/>
               </a:ext>
             </a:extLst>
           </p:cNvPr>
@@ -6291,8 +6291,8 @@
         </p:blipFill>
         <p:spPr>
           <a:xfrm>
-            <a:off x="493899" y="2809178"/>
-            <a:ext cx="5274182" cy="3605212"/>
+            <a:off x="6249306" y="1816683"/>
+            <a:ext cx="5108359" cy="4970295"/>
           </a:xfrm>
           <a:prstGeom prst="rect">
             <a:avLst/>
